--- a/Team 8 (NBA Player data and salary prediction).pptx
+++ b/Team 8 (NBA Player data and salary prediction).pptx
@@ -4349,7 +4349,7 @@
             </a:pPr>
             <a:r>
               <a:rPr lang="en-US" dirty="0"/>
-              <a:t>Plotted six different stats and the relation to Salary the player earned.</a:t>
+              <a:t>Plotted six different stats and their relation to Salary the player earned.</a:t>
             </a:r>
           </a:p>
           <a:p>
@@ -4359,7 +4359,7 @@
             </a:pPr>
             <a:r>
               <a:rPr lang="en-US" dirty="0"/>
-              <a:t>From the graphs, we can infer that the Points PG, Minutes PG and the Games Started stats have clear correlation with the salary the player earns.</a:t>
+              <a:t>From the graphs, we can infer that the PPG, MPG and the GS stats have clear correlation with the salary the player earns.</a:t>
             </a:r>
           </a:p>
           <a:p>
@@ -4734,13 +4734,13 @@
               </a:ext>
             </a:extLst>
           </a:blip>
-          <a:srcRect t="1129" r="2599"/>
+          <a:srcRect t="1129" r="26876"/>
           <a:stretch/>
         </p:blipFill>
         <p:spPr>
           <a:xfrm>
-            <a:off x="6096000" y="1563757"/>
-            <a:ext cx="4465983" cy="3773556"/>
+            <a:off x="6096001" y="1563757"/>
+            <a:ext cx="3352799" cy="3773556"/>
           </a:xfrm>
         </p:spPr>
       </p:pic>
@@ -5179,7 +5179,15 @@
             </a:pPr>
             <a:r>
               <a:rPr lang="en-US" dirty="0"/>
-              <a:t>With a few exceptions, rate is constant until the 2011 season, which is when Stephen Curry starts entering his prime.</a:t>
+              <a:t>With a few exceptions</a:t>
+            </a:r>
+            <a:r>
+              <a:rPr lang="en-US"/>
+              <a:t>, the </a:t>
+            </a:r>
+            <a:r>
+              <a:rPr lang="en-US" dirty="0"/>
+              <a:t>rate is constant until the 2011 season, which is when Stephen Curry starts entering his prime.</a:t>
             </a:r>
           </a:p>
         </p:txBody>
@@ -5318,7 +5326,7 @@
           <a:p>
             <a:r>
               <a:rPr lang="en-US" dirty="0"/>
-              <a:t>We also plotted the 	evolutions of 3 point attempts through the years.</a:t>
+              <a:t>We also plotted the 	evolutions of all shots and 3 point attempts through the years.</a:t>
             </a:r>
           </a:p>
           <a:p>
@@ -5564,7 +5572,7 @@
             </a:pPr>
             <a:r>
               <a:rPr lang="en-US" dirty="0"/>
-              <a:t>The Points Per Game (PPG) stat was the one that highest correlation to salary.</a:t>
+              <a:t>The Points Per Game (PPG) stat was the one that showed the highest correlation to salary.</a:t>
             </a:r>
           </a:p>
           <a:p>
@@ -5639,7 +5647,7 @@
           <a:p>
             <a:r>
               <a:rPr lang="en-US" dirty="0"/>
-              <a:t>Correlation between field goals percentage and salary</a:t>
+              <a:t>Correlation between field goal percentage and salary</a:t>
             </a:r>
           </a:p>
         </p:txBody>
@@ -5686,7 +5694,7 @@
             </a:pPr>
             <a:r>
               <a:rPr lang="en-US" dirty="0"/>
-              <a:t>Thus being an efficient scorer does not always imply a higher salary.</a:t>
+              <a:t>This means that being an efficient scorer does not always imply a higher salary.</a:t>
             </a:r>
           </a:p>
         </p:txBody>
@@ -5862,7 +5870,7 @@
           <a:p>
             <a:r>
               <a:rPr lang="en-US" dirty="0"/>
-              <a:t>Position vs Win shares</a:t>
+              <a:t>Win shares vs position</a:t>
             </a:r>
           </a:p>
         </p:txBody>
